--- a/WJN/photo.pptx
+++ b/WJN/photo.pptx
@@ -110,7 +110,7 @@
   <p:extLst>
     <p:ext uri="{EFAFB233-063F-42B5-8137-9DF3F51BA10A}">
       <p15:sldGuideLst xmlns:p15="http://schemas.microsoft.com/office/powerpoint/2012/main">
-        <p15:guide id="1" orient="horz" pos="2136" userDrawn="1">
+        <p15:guide id="1" orient="horz" pos="2156" userDrawn="1">
           <p15:clr>
             <a:srgbClr val="A4A3A4"/>
           </p15:clr>
@@ -2464,7 +2464,7 @@
   <p:cSld>
     <p:bg>
       <p:bgRef idx="1001">
-        <a:schemeClr val="bg1"/>
+        <a:schemeClr val="bg2"/>
       </p:bgRef>
     </p:bg>
     <p:spTree>
@@ -2723,7 +2723,7 @@
       <p:tags r:id="rId17"/>
     </p:custDataLst>
   </p:cSld>
-  <p:clrMap bg1="lt1" tx1="dk1" bg2="lt2" tx2="dk2" accent1="accent1" accent2="accent2" accent3="accent3" accent4="accent4" accent5="accent5" accent6="accent6" hlink="hlink" folHlink="folHlink"/>
+  <p:clrMap bg1="dk1" tx1="lt1" bg2="dk2" tx2="lt2" accent1="accent1" accent2="accent2" accent3="accent3" accent4="accent4" accent5="accent5" accent6="accent6" hlink="hlink" folHlink="folHlink"/>
   <p:sldLayoutIdLst>
     <p:sldLayoutId id="2147483649" r:id="rId1"/>
     <p:sldLayoutId id="2147483650" r:id="rId2"/>
@@ -3068,6 +3068,14 @@
 <file path=ppt/slides/slide1.xml><?xml version="1.0" encoding="utf-8"?>
 <p:sld xmlns:a="http://schemas.openxmlformats.org/drawingml/2006/main" xmlns:r="http://schemas.openxmlformats.org/officeDocument/2006/relationships" xmlns:p="http://schemas.openxmlformats.org/presentationml/2006/main">
   <p:cSld>
+    <p:bg>
+      <p:bgPr>
+        <a:solidFill>
+          <a:schemeClr val="tx1"/>
+        </a:solidFill>
+        <a:effectLst/>
+      </p:bgPr>
+    </p:bg>
     <p:spTree>
       <p:nvGrpSpPr>
         <p:cNvPr id="1" name=""/>
@@ -3102,19 +3110,17 @@
           </a:prstGeom>
         </p:spPr>
         <p:style>
-          <a:lnRef idx="2">
-            <a:schemeClr val="accent1">
-              <a:lumMod val="75000"/>
-            </a:schemeClr>
+          <a:lnRef idx="0">
+            <a:srgbClr val="FFFFFF"/>
           </a:lnRef>
-          <a:fillRef idx="1">
+          <a:fillRef idx="3">
             <a:schemeClr val="accent1"/>
           </a:fillRef>
           <a:effectRef idx="0">
             <a:srgbClr val="FFFFFF"/>
           </a:effectRef>
           <a:fontRef idx="minor">
-            <a:schemeClr val="lt1"/>
+            <a:schemeClr val="dk1"/>
           </a:fontRef>
         </p:style>
         <p:txBody>
@@ -3145,19 +3151,17 @@
           </a:prstGeom>
         </p:spPr>
         <p:style>
-          <a:lnRef idx="2">
-            <a:schemeClr val="accent1">
-              <a:lumMod val="75000"/>
-            </a:schemeClr>
+          <a:lnRef idx="0">
+            <a:srgbClr val="FFFFFF"/>
           </a:lnRef>
-          <a:fillRef idx="1">
+          <a:fillRef idx="3">
             <a:schemeClr val="accent1"/>
           </a:fillRef>
           <a:effectRef idx="0">
             <a:srgbClr val="FFFFFF"/>
           </a:effectRef>
           <a:fontRef idx="minor">
-            <a:schemeClr val="lt1"/>
+            <a:schemeClr val="dk1"/>
           </a:fontRef>
         </p:style>
         <p:txBody>
@@ -3188,19 +3192,17 @@
           </a:prstGeom>
         </p:spPr>
         <p:style>
-          <a:lnRef idx="2">
-            <a:schemeClr val="accent1">
-              <a:lumMod val="75000"/>
-            </a:schemeClr>
+          <a:lnRef idx="0">
+            <a:srgbClr val="FFFFFF"/>
           </a:lnRef>
-          <a:fillRef idx="1">
+          <a:fillRef idx="3">
             <a:schemeClr val="accent1"/>
           </a:fillRef>
           <a:effectRef idx="0">
             <a:srgbClr val="FFFFFF"/>
           </a:effectRef>
           <a:fontRef idx="minor">
-            <a:schemeClr val="lt1"/>
+            <a:schemeClr val="dk1"/>
           </a:fontRef>
         </p:style>
         <p:txBody>
@@ -3223,7 +3225,7 @@
         </p:nvSpPr>
         <p:spPr>
           <a:xfrm>
-            <a:off x="8715375" y="3023870"/>
+            <a:off x="8725535" y="3023870"/>
             <a:ext cx="1830705" cy="487045"/>
           </a:xfrm>
           <a:prstGeom prst="roundRect">
@@ -3231,19 +3233,17 @@
           </a:prstGeom>
         </p:spPr>
         <p:style>
-          <a:lnRef idx="2">
-            <a:schemeClr val="accent1">
-              <a:lumMod val="75000"/>
-            </a:schemeClr>
+          <a:lnRef idx="0">
+            <a:srgbClr val="FFFFFF"/>
           </a:lnRef>
-          <a:fillRef idx="1">
+          <a:fillRef idx="3">
             <a:schemeClr val="accent1"/>
           </a:fillRef>
           <a:effectRef idx="0">
             <a:srgbClr val="FFFFFF"/>
           </a:effectRef>
           <a:fontRef idx="minor">
-            <a:schemeClr val="lt1"/>
+            <a:schemeClr val="dk1"/>
           </a:fontRef>
         </p:style>
         <p:txBody>
@@ -3274,19 +3274,17 @@
           </a:prstGeom>
         </p:spPr>
         <p:style>
-          <a:lnRef idx="2">
-            <a:schemeClr val="accent1">
-              <a:lumMod val="75000"/>
-            </a:schemeClr>
+          <a:lnRef idx="0">
+            <a:srgbClr val="FFFFFF"/>
           </a:lnRef>
-          <a:fillRef idx="1">
+          <a:fillRef idx="3">
             <a:schemeClr val="accent1"/>
           </a:fillRef>
           <a:effectRef idx="0">
             <a:srgbClr val="FFFFFF"/>
           </a:effectRef>
           <a:fontRef idx="minor">
-            <a:schemeClr val="lt1"/>
+            <a:schemeClr val="dk1"/>
           </a:fontRef>
         </p:style>
         <p:txBody>
@@ -3317,19 +3315,17 @@
           </a:prstGeom>
         </p:spPr>
         <p:style>
-          <a:lnRef idx="2">
-            <a:schemeClr val="accent1">
-              <a:lumMod val="75000"/>
-            </a:schemeClr>
+          <a:lnRef idx="0">
+            <a:srgbClr val="FFFFFF"/>
           </a:lnRef>
-          <a:fillRef idx="1">
+          <a:fillRef idx="3">
             <a:schemeClr val="accent1"/>
           </a:fillRef>
           <a:effectRef idx="0">
             <a:srgbClr val="FFFFFF"/>
           </a:effectRef>
           <a:fontRef idx="minor">
-            <a:schemeClr val="lt1"/>
+            <a:schemeClr val="dk1"/>
           </a:fontRef>
         </p:style>
         <p:txBody>
@@ -3360,19 +3356,17 @@
           </a:prstGeom>
         </p:spPr>
         <p:style>
-          <a:lnRef idx="2">
-            <a:schemeClr val="accent1">
-              <a:lumMod val="75000"/>
-            </a:schemeClr>
+          <a:lnRef idx="0">
+            <a:srgbClr val="FFFFFF"/>
           </a:lnRef>
-          <a:fillRef idx="1">
+          <a:fillRef idx="3">
             <a:schemeClr val="accent1"/>
           </a:fillRef>
           <a:effectRef idx="0">
             <a:srgbClr val="FFFFFF"/>
           </a:effectRef>
           <a:fontRef idx="minor">
-            <a:schemeClr val="lt1"/>
+            <a:schemeClr val="dk1"/>
           </a:fontRef>
         </p:style>
         <p:txBody>
@@ -3395,7 +3389,7 @@
         </p:nvSpPr>
         <p:spPr>
           <a:xfrm>
-            <a:off x="6346190" y="2720340"/>
+            <a:off x="6356350" y="2720340"/>
             <a:ext cx="1830705" cy="487045"/>
           </a:xfrm>
           <a:prstGeom prst="roundRect">
@@ -3403,19 +3397,17 @@
           </a:prstGeom>
         </p:spPr>
         <p:style>
-          <a:lnRef idx="2">
-            <a:schemeClr val="accent1">
-              <a:lumMod val="75000"/>
-            </a:schemeClr>
+          <a:lnRef idx="0">
+            <a:srgbClr val="FFFFFF"/>
           </a:lnRef>
-          <a:fillRef idx="1">
+          <a:fillRef idx="3">
             <a:schemeClr val="accent1"/>
           </a:fillRef>
           <a:effectRef idx="0">
             <a:srgbClr val="FFFFFF"/>
           </a:effectRef>
           <a:fontRef idx="minor">
-            <a:schemeClr val="lt1"/>
+            <a:schemeClr val="dk1"/>
           </a:fontRef>
         </p:style>
         <p:txBody>
@@ -3446,19 +3438,17 @@
           </a:prstGeom>
         </p:spPr>
         <p:style>
-          <a:lnRef idx="2">
-            <a:schemeClr val="accent1">
-              <a:lumMod val="75000"/>
-            </a:schemeClr>
+          <a:lnRef idx="0">
+            <a:srgbClr val="FFFFFF"/>
           </a:lnRef>
-          <a:fillRef idx="1">
+          <a:fillRef idx="3">
             <a:schemeClr val="accent1"/>
           </a:fillRef>
           <a:effectRef idx="0">
             <a:srgbClr val="FFFFFF"/>
           </a:effectRef>
           <a:fontRef idx="minor">
-            <a:schemeClr val="lt1"/>
+            <a:schemeClr val="dk1"/>
           </a:fontRef>
         </p:style>
         <p:txBody>
@@ -3489,19 +3479,17 @@
           </a:prstGeom>
         </p:spPr>
         <p:style>
-          <a:lnRef idx="2">
-            <a:schemeClr val="accent1">
-              <a:lumMod val="75000"/>
-            </a:schemeClr>
+          <a:lnRef idx="0">
+            <a:srgbClr val="FFFFFF"/>
           </a:lnRef>
-          <a:fillRef idx="1">
+          <a:fillRef idx="3">
             <a:schemeClr val="accent1"/>
           </a:fillRef>
           <a:effectRef idx="0">
             <a:srgbClr val="FFFFFF"/>
           </a:effectRef>
           <a:fontRef idx="minor">
-            <a:schemeClr val="lt1"/>
+            <a:schemeClr val="dk1"/>
           </a:fontRef>
         </p:style>
         <p:txBody>
@@ -3528,19 +3516,17 @@
           </a:prstGeom>
         </p:spPr>
         <p:style>
-          <a:lnRef idx="2">
-            <a:schemeClr val="accent1">
-              <a:lumMod val="75000"/>
-            </a:schemeClr>
+          <a:lnRef idx="0">
+            <a:srgbClr val="FFFFFF"/>
           </a:lnRef>
-          <a:fillRef idx="1">
+          <a:fillRef idx="3">
             <a:schemeClr val="accent1"/>
           </a:fillRef>
           <a:effectRef idx="0">
             <a:srgbClr val="FFFFFF"/>
           </a:effectRef>
           <a:fontRef idx="minor">
-            <a:schemeClr val="lt1"/>
+            <a:schemeClr val="dk1"/>
           </a:fontRef>
         </p:style>
         <p:txBody>
@@ -3559,25 +3545,31 @@
         </p:nvSpPr>
         <p:spPr>
           <a:xfrm>
-            <a:off x="3155315" y="1621790"/>
-            <a:ext cx="76200" cy="4612640"/>
+            <a:off x="3070860" y="1621790"/>
+            <a:ext cx="223520" cy="4612640"/>
           </a:xfrm>
           <a:prstGeom prst="leftBrace">
             <a:avLst/>
           </a:prstGeom>
+          <a:noFill/>
+          <a:ln>
+            <a:solidFill>
+              <a:schemeClr val="accent1"/>
+            </a:solidFill>
+          </a:ln>
         </p:spPr>
         <p:style>
-          <a:lnRef idx="2">
+          <a:lnRef idx="0">
+            <a:srgbClr val="FFFFFF"/>
+          </a:lnRef>
+          <a:fillRef idx="3">
             <a:schemeClr val="accent1"/>
-          </a:lnRef>
-          <a:fillRef idx="0">
-            <a:srgbClr val="FFFFFF"/>
           </a:fillRef>
           <a:effectRef idx="0">
             <a:srgbClr val="FFFFFF"/>
           </a:effectRef>
           <a:fontRef idx="minor">
-            <a:schemeClr val="tx1"/>
+            <a:schemeClr val="dk1"/>
           </a:fontRef>
         </p:style>
         <p:txBody>
@@ -3608,19 +3600,17 @@
           </a:prstGeom>
         </p:spPr>
         <p:style>
-          <a:lnRef idx="2">
-            <a:schemeClr val="accent1">
-              <a:lumMod val="75000"/>
-            </a:schemeClr>
+          <a:lnRef idx="0">
+            <a:srgbClr val="FFFFFF"/>
           </a:lnRef>
-          <a:fillRef idx="1">
+          <a:fillRef idx="3">
             <a:schemeClr val="accent1"/>
           </a:fillRef>
           <a:effectRef idx="0">
             <a:srgbClr val="FFFFFF"/>
           </a:effectRef>
           <a:fontRef idx="minor">
-            <a:schemeClr val="lt1"/>
+            <a:schemeClr val="dk1"/>
           </a:fontRef>
         </p:style>
         <p:txBody>
@@ -3651,19 +3641,17 @@
           </a:prstGeom>
         </p:spPr>
         <p:style>
-          <a:lnRef idx="2">
-            <a:schemeClr val="accent1">
-              <a:lumMod val="75000"/>
-            </a:schemeClr>
+          <a:lnRef idx="0">
+            <a:srgbClr val="FFFFFF"/>
           </a:lnRef>
-          <a:fillRef idx="1">
+          <a:fillRef idx="3">
             <a:schemeClr val="accent1"/>
           </a:fillRef>
           <a:effectRef idx="0">
             <a:srgbClr val="FFFFFF"/>
           </a:effectRef>
           <a:fontRef idx="minor">
-            <a:schemeClr val="lt1"/>
+            <a:schemeClr val="dk1"/>
           </a:fontRef>
         </p:style>
         <p:txBody>
@@ -3694,19 +3682,17 @@
           </a:prstGeom>
         </p:spPr>
         <p:style>
-          <a:lnRef idx="2">
-            <a:schemeClr val="accent1">
-              <a:lumMod val="75000"/>
-            </a:schemeClr>
+          <a:lnRef idx="0">
+            <a:srgbClr val="FFFFFF"/>
           </a:lnRef>
-          <a:fillRef idx="1">
+          <a:fillRef idx="3">
             <a:schemeClr val="accent1"/>
           </a:fillRef>
           <a:effectRef idx="0">
             <a:srgbClr val="FFFFFF"/>
           </a:effectRef>
           <a:fontRef idx="minor">
-            <a:schemeClr val="lt1"/>
+            <a:schemeClr val="dk1"/>
           </a:fontRef>
         </p:style>
         <p:txBody>
@@ -3731,8 +3717,21 @@
           <a:prstGeom prst="rect">
             <a:avLst/>
           </a:prstGeom>
-          <a:noFill/>
-        </p:spPr>
+        </p:spPr>
+        <p:style>
+          <a:lnRef idx="0">
+            <a:srgbClr val="FFFFFF"/>
+          </a:lnRef>
+          <a:fillRef idx="3">
+            <a:schemeClr val="accent1"/>
+          </a:fillRef>
+          <a:effectRef idx="0">
+            <a:srgbClr val="FFFFFF"/>
+          </a:effectRef>
+          <a:fontRef idx="minor">
+            <a:schemeClr val="dk1"/>
+          </a:fontRef>
+        </p:style>
         <p:txBody>
           <a:bodyPr wrap="square" rtlCol="0">
             <a:spAutoFit/>
@@ -3767,8 +3766,21 @@
           <a:prstGeom prst="rect">
             <a:avLst/>
           </a:prstGeom>
-          <a:noFill/>
-        </p:spPr>
+        </p:spPr>
+        <p:style>
+          <a:lnRef idx="0">
+            <a:srgbClr val="FFFFFF"/>
+          </a:lnRef>
+          <a:fillRef idx="3">
+            <a:schemeClr val="accent1"/>
+          </a:fillRef>
+          <a:effectRef idx="0">
+            <a:srgbClr val="FFFFFF"/>
+          </a:effectRef>
+          <a:fontRef idx="minor">
+            <a:schemeClr val="dk1"/>
+          </a:fontRef>
+        </p:style>
         <p:txBody>
           <a:bodyPr wrap="square" rtlCol="0">
             <a:spAutoFit/>
@@ -3798,13 +3810,27 @@
         <p:spPr>
           <a:xfrm>
             <a:off x="3328670" y="3723005"/>
-            <a:ext cx="2757805" cy="460375"/>
+            <a:ext cx="2757170" cy="460375"/>
           </a:xfrm>
           <a:prstGeom prst="rect">
             <a:avLst/>
           </a:prstGeom>
           <a:noFill/>
         </p:spPr>
+        <p:style>
+          <a:lnRef idx="0">
+            <a:srgbClr val="FFFFFF"/>
+          </a:lnRef>
+          <a:fillRef idx="3">
+            <a:schemeClr val="accent1"/>
+          </a:fillRef>
+          <a:effectRef idx="0">
+            <a:srgbClr val="FFFFFF"/>
+          </a:effectRef>
+          <a:fontRef idx="minor">
+            <a:schemeClr val="dk1"/>
+          </a:fontRef>
+        </p:style>
         <p:txBody>
           <a:bodyPr wrap="square" rtlCol="0">
             <a:spAutoFit/>
@@ -3838,8 +3864,21 @@
           <a:prstGeom prst="rect">
             <a:avLst/>
           </a:prstGeom>
-          <a:noFill/>
-        </p:spPr>
+        </p:spPr>
+        <p:style>
+          <a:lnRef idx="0">
+            <a:srgbClr val="FFFFFF"/>
+          </a:lnRef>
+          <a:fillRef idx="3">
+            <a:schemeClr val="accent1"/>
+          </a:fillRef>
+          <a:effectRef idx="0">
+            <a:srgbClr val="FFFFFF"/>
+          </a:effectRef>
+          <a:fontRef idx="minor">
+            <a:schemeClr val="dk1"/>
+          </a:fontRef>
+        </p:style>
         <p:txBody>
           <a:bodyPr wrap="square" rtlCol="0">
             <a:spAutoFit/>
@@ -3874,19 +3913,25 @@
           <a:prstGeom prst="leftBrace">
             <a:avLst/>
           </a:prstGeom>
+          <a:noFill/>
+          <a:ln>
+            <a:solidFill>
+              <a:schemeClr val="accent1"/>
+            </a:solidFill>
+          </a:ln>
         </p:spPr>
         <p:style>
-          <a:lnRef idx="2">
+          <a:lnRef idx="0">
+            <a:srgbClr val="FFFFFF"/>
+          </a:lnRef>
+          <a:fillRef idx="3">
             <a:schemeClr val="accent1"/>
-          </a:lnRef>
-          <a:fillRef idx="0">
-            <a:srgbClr val="FFFFFF"/>
           </a:fillRef>
           <a:effectRef idx="0">
             <a:srgbClr val="FFFFFF"/>
           </a:effectRef>
           <a:fontRef idx="minor">
-            <a:schemeClr val="tx1"/>
+            <a:schemeClr val="dk1"/>
           </a:fontRef>
         </p:style>
         <p:txBody>
@@ -3917,19 +3962,17 @@
           </a:prstGeom>
         </p:spPr>
         <p:style>
-          <a:lnRef idx="2">
-            <a:schemeClr val="accent1">
-              <a:lumMod val="75000"/>
-            </a:schemeClr>
+          <a:lnRef idx="0">
+            <a:srgbClr val="FFFFFF"/>
           </a:lnRef>
-          <a:fillRef idx="1">
+          <a:fillRef idx="3">
             <a:schemeClr val="accent1"/>
           </a:fillRef>
           <a:effectRef idx="0">
             <a:srgbClr val="FFFFFF"/>
           </a:effectRef>
           <a:fontRef idx="minor">
-            <a:schemeClr val="lt1"/>
+            <a:schemeClr val="dk1"/>
           </a:fontRef>
         </p:style>
         <p:txBody>
@@ -3948,14 +3991,326 @@
         </p:nvSpPr>
         <p:spPr>
           <a:xfrm>
-            <a:off x="6791960" y="1154430"/>
+            <a:off x="6791960" y="1164590"/>
             <a:ext cx="1315085" cy="368300"/>
+          </a:xfrm>
+          <a:prstGeom prst="rect">
+            <a:avLst/>
+          </a:prstGeom>
+        </p:spPr>
+        <p:style>
+          <a:lnRef idx="0">
+            <a:srgbClr val="FFFFFF"/>
+          </a:lnRef>
+          <a:fillRef idx="3">
+            <a:schemeClr val="accent1"/>
+          </a:fillRef>
+          <a:effectRef idx="0">
+            <a:srgbClr val="FFFFFF"/>
+          </a:effectRef>
+          <a:fontRef idx="minor">
+            <a:schemeClr val="dk1"/>
+          </a:fontRef>
+        </p:style>
+        <p:txBody>
+          <a:bodyPr wrap="square" rtlCol="0">
+            <a:spAutoFit/>
+          </a:bodyPr>
+          <a:p>
+            <a:r>
+              <a:rPr lang="en-US" altLang="zh-CN"/>
+              <a:t>winner</a:t>
+            </a:r>
+            <a:endParaRPr lang="en-US" altLang="zh-CN"/>
+          </a:p>
+        </p:txBody>
+      </p:sp>
+      <p:sp>
+        <p:nvSpPr>
+          <p:cNvPr id="21" name="文本框 20"/>
+          <p:cNvSpPr txBox="1"/>
+          <p:nvPr/>
+        </p:nvSpPr>
+        <p:spPr>
+          <a:xfrm>
+            <a:off x="6555740" y="1937385"/>
+            <a:ext cx="1426210" cy="368300"/>
+          </a:xfrm>
+          <a:prstGeom prst="rect">
+            <a:avLst/>
+          </a:prstGeom>
+        </p:spPr>
+        <p:style>
+          <a:lnRef idx="0">
+            <a:srgbClr val="FFFFFF"/>
+          </a:lnRef>
+          <a:fillRef idx="3">
+            <a:schemeClr val="accent1"/>
+          </a:fillRef>
+          <a:effectRef idx="0">
+            <a:srgbClr val="FFFFFF"/>
+          </a:effectRef>
+          <a:fontRef idx="minor">
+            <a:schemeClr val="dk1"/>
+          </a:fontRef>
+        </p:style>
+        <p:txBody>
+          <a:bodyPr wrap="square" rtlCol="0">
+            <a:spAutoFit/>
+          </a:bodyPr>
+          <a:p>
+            <a:pPr algn="ctr"/>
+            <a:r>
+              <a:rPr lang="en-US" altLang="zh-CN"/>
+              <a:t>serve </a:t>
+            </a:r>
+            <a:endParaRPr lang="en-US" altLang="zh-CN"/>
+          </a:p>
+        </p:txBody>
+      </p:sp>
+      <p:sp>
+        <p:nvSpPr>
+          <p:cNvPr id="22" name="文本框 21"/>
+          <p:cNvSpPr txBox="1"/>
+          <p:nvPr/>
+        </p:nvSpPr>
+        <p:spPr>
+          <a:xfrm>
+            <a:off x="6513195" y="2773045"/>
+            <a:ext cx="1511300" cy="368300"/>
+          </a:xfrm>
+          <a:prstGeom prst="rect">
+            <a:avLst/>
+          </a:prstGeom>
+        </p:spPr>
+        <p:style>
+          <a:lnRef idx="0">
+            <a:srgbClr val="FFFFFF"/>
+          </a:lnRef>
+          <a:fillRef idx="3">
+            <a:schemeClr val="accent1"/>
+          </a:fillRef>
+          <a:effectRef idx="0">
+            <a:srgbClr val="FFFFFF"/>
+          </a:effectRef>
+          <a:fontRef idx="minor">
+            <a:schemeClr val="dk1"/>
+          </a:fontRef>
+        </p:style>
+        <p:txBody>
+          <a:bodyPr wrap="square" rtlCol="0">
+            <a:spAutoFit/>
+          </a:bodyPr>
+          <a:p>
+            <a:pPr algn="ctr"/>
+            <a:r>
+              <a:rPr lang="en-US" altLang="zh-CN"/>
+              <a:t>net win rate</a:t>
+            </a:r>
+            <a:endParaRPr lang="en-US" altLang="zh-CN"/>
+          </a:p>
+        </p:txBody>
+      </p:sp>
+      <p:sp>
+        <p:nvSpPr>
+          <p:cNvPr id="23" name="左大括号 22"/>
+          <p:cNvSpPr/>
+          <p:nvPr/>
+        </p:nvSpPr>
+        <p:spPr>
+          <a:xfrm>
+            <a:off x="6075680" y="3417570"/>
+            <a:ext cx="76200" cy="1100455"/>
+          </a:xfrm>
+          <a:prstGeom prst="leftBrace">
+            <a:avLst/>
+          </a:prstGeom>
+          <a:noFill/>
+          <a:ln>
+            <a:solidFill>
+              <a:schemeClr val="accent1"/>
+            </a:solidFill>
+          </a:ln>
+        </p:spPr>
+        <p:style>
+          <a:lnRef idx="0">
+            <a:srgbClr val="FFFFFF"/>
+          </a:lnRef>
+          <a:fillRef idx="3">
+            <a:schemeClr val="accent1"/>
+          </a:fillRef>
+          <a:effectRef idx="0">
+            <a:srgbClr val="FFFFFF"/>
+          </a:effectRef>
+          <a:fontRef idx="minor">
+            <a:schemeClr val="dk1"/>
+          </a:fontRef>
+        </p:style>
+        <p:txBody>
+          <a:bodyPr rtlCol="0" anchor="ctr"/>
+          <a:p>
+            <a:pPr algn="ctr"/>
+            <a:endParaRPr lang="zh-CN" altLang="en-US"/>
+          </a:p>
+        </p:txBody>
+      </p:sp>
+      <p:sp>
+        <p:nvSpPr>
+          <p:cNvPr id="26" name="文本框 25"/>
+          <p:cNvSpPr txBox="1"/>
+          <p:nvPr/>
+        </p:nvSpPr>
+        <p:spPr>
+          <a:xfrm>
+            <a:off x="6571615" y="3401060"/>
+            <a:ext cx="1153160" cy="368300"/>
+          </a:xfrm>
+          <a:prstGeom prst="rect">
+            <a:avLst/>
+          </a:prstGeom>
+        </p:spPr>
+        <p:style>
+          <a:lnRef idx="0">
+            <a:srgbClr val="FFFFFF"/>
+          </a:lnRef>
+          <a:fillRef idx="3">
+            <a:schemeClr val="accent1"/>
+          </a:fillRef>
+          <a:effectRef idx="0">
+            <a:srgbClr val="FFFFFF"/>
+          </a:effectRef>
+          <a:fontRef idx="minor">
+            <a:schemeClr val="dk1"/>
+          </a:fontRef>
+        </p:style>
+        <p:txBody>
+          <a:bodyPr wrap="square" rtlCol="0">
+            <a:spAutoFit/>
+          </a:bodyPr>
+          <a:p>
+            <a:r>
+              <a:rPr lang="en-US" altLang="zh-CN"/>
+              <a:t>distance</a:t>
+            </a:r>
+            <a:endParaRPr lang="en-US" altLang="zh-CN"/>
+          </a:p>
+        </p:txBody>
+      </p:sp>
+      <p:sp>
+        <p:nvSpPr>
+          <p:cNvPr id="27" name="文本框 26"/>
+          <p:cNvSpPr txBox="1"/>
+          <p:nvPr/>
+        </p:nvSpPr>
+        <p:spPr>
+          <a:xfrm>
+            <a:off x="6269355" y="4238625"/>
+            <a:ext cx="1714500" cy="368300"/>
+          </a:xfrm>
+          <a:prstGeom prst="rect">
+            <a:avLst/>
+          </a:prstGeom>
+        </p:spPr>
+        <p:style>
+          <a:lnRef idx="0">
+            <a:srgbClr val="FFFFFF"/>
+          </a:lnRef>
+          <a:fillRef idx="3">
+            <a:schemeClr val="accent1"/>
+          </a:fillRef>
+          <a:effectRef idx="0">
+            <a:srgbClr val="FFFFFF"/>
+          </a:effectRef>
+          <a:fontRef idx="minor">
+            <a:schemeClr val="dk1"/>
+          </a:fontRef>
+        </p:style>
+        <p:txBody>
+          <a:bodyPr wrap="square" rtlCol="0">
+            <a:spAutoFit/>
+          </a:bodyPr>
+          <a:p>
+            <a:r>
+              <a:rPr lang="en-US" altLang="zh-CN"/>
+              <a:t>unforced error</a:t>
+            </a:r>
+            <a:endParaRPr lang="en-US" altLang="zh-CN"/>
+          </a:p>
+        </p:txBody>
+      </p:sp>
+      <p:sp>
+        <p:nvSpPr>
+          <p:cNvPr id="28" name="左大括号 27"/>
+          <p:cNvSpPr/>
+          <p:nvPr/>
+        </p:nvSpPr>
+        <p:spPr>
+          <a:xfrm>
+            <a:off x="6075680" y="5223510"/>
+            <a:ext cx="131445" cy="1224280"/>
+          </a:xfrm>
+          <a:prstGeom prst="leftBrace">
+            <a:avLst/>
+          </a:prstGeom>
+          <a:noFill/>
+          <a:ln>
+            <a:solidFill>
+              <a:schemeClr val="accent1"/>
+            </a:solidFill>
+          </a:ln>
+        </p:spPr>
+        <p:style>
+          <a:lnRef idx="0">
+            <a:srgbClr val="FFFFFF"/>
+          </a:lnRef>
+          <a:fillRef idx="3">
+            <a:schemeClr val="accent1"/>
+          </a:fillRef>
+          <a:effectRef idx="0">
+            <a:srgbClr val="FFFFFF"/>
+          </a:effectRef>
+          <a:fontRef idx="minor">
+            <a:schemeClr val="dk1"/>
+          </a:fontRef>
+        </p:style>
+        <p:txBody>
+          <a:bodyPr rtlCol="0" anchor="ctr"/>
+          <a:p>
+            <a:pPr algn="ctr"/>
+            <a:endParaRPr lang="zh-CN" altLang="en-US"/>
+          </a:p>
+        </p:txBody>
+      </p:sp>
+      <p:sp>
+        <p:nvSpPr>
+          <p:cNvPr id="33" name="文本框 32"/>
+          <p:cNvSpPr txBox="1"/>
+          <p:nvPr/>
+        </p:nvSpPr>
+        <p:spPr>
+          <a:xfrm>
+            <a:off x="6265545" y="5112385"/>
+            <a:ext cx="2030095" cy="368300"/>
           </a:xfrm>
           <a:prstGeom prst="rect">
             <a:avLst/>
           </a:prstGeom>
           <a:noFill/>
         </p:spPr>
+        <p:style>
+          <a:lnRef idx="0">
+            <a:srgbClr val="FFFFFF"/>
+          </a:lnRef>
+          <a:fillRef idx="3">
+            <a:schemeClr val="accent1"/>
+          </a:fillRef>
+          <a:effectRef idx="0">
+            <a:srgbClr val="FFFFFF"/>
+          </a:effectRef>
+          <a:fontRef idx="minor">
+            <a:schemeClr val="dk1"/>
+          </a:fontRef>
+        </p:style>
         <p:txBody>
           <a:bodyPr wrap="square" rtlCol="0">
             <a:spAutoFit/>
@@ -3963,7 +4318,7 @@
           <a:p>
             <a:r>
               <a:rPr lang="en-US" altLang="zh-CN"/>
-              <a:t>winner</a:t>
+              <a:t>scored last point</a:t>
             </a:r>
             <a:endParaRPr lang="en-US" altLang="zh-CN"/>
           </a:p>
@@ -3971,59 +4326,127 @@
       </p:sp>
       <p:sp>
         <p:nvSpPr>
-          <p:cNvPr id="21" name="文本框 20"/>
+          <p:cNvPr id="34" name="文本框 33"/>
           <p:cNvSpPr txBox="1"/>
           <p:nvPr/>
         </p:nvSpPr>
         <p:spPr>
           <a:xfrm>
-            <a:off x="6555740" y="1937385"/>
-            <a:ext cx="1426210" cy="368300"/>
+            <a:off x="6275705" y="6067425"/>
+            <a:ext cx="1918970" cy="368300"/>
           </a:xfrm>
           <a:prstGeom prst="rect">
             <a:avLst/>
           </a:prstGeom>
           <a:noFill/>
         </p:spPr>
+        <p:style>
+          <a:lnRef idx="0">
+            <a:srgbClr val="FFFFFF"/>
+          </a:lnRef>
+          <a:fillRef idx="3">
+            <a:schemeClr val="accent1"/>
+          </a:fillRef>
+          <a:effectRef idx="0">
+            <a:srgbClr val="FFFFFF"/>
+          </a:effectRef>
+          <a:fontRef idx="minor">
+            <a:schemeClr val="dk1"/>
+          </a:fontRef>
+        </p:style>
         <p:txBody>
           <a:bodyPr wrap="square" rtlCol="0">
             <a:spAutoFit/>
           </a:bodyPr>
           <a:p>
+            <a:r>
+              <a:rPr lang="en-US" altLang="zh-CN"/>
+              <a:t>score difference</a:t>
+            </a:r>
+            <a:endParaRPr lang="en-US" altLang="zh-CN"/>
+          </a:p>
+        </p:txBody>
+      </p:sp>
+      <p:sp>
+        <p:nvSpPr>
+          <p:cNvPr id="35" name="左大括号 34"/>
+          <p:cNvSpPr/>
+          <p:nvPr/>
+        </p:nvSpPr>
+        <p:spPr>
+          <a:xfrm>
+            <a:off x="8280400" y="1028065"/>
+            <a:ext cx="524510" cy="2188845"/>
+          </a:xfrm>
+          <a:prstGeom prst="leftBrace">
+            <a:avLst/>
+          </a:prstGeom>
+          <a:noFill/>
+          <a:ln>
+            <a:solidFill>
+              <a:schemeClr val="accent1"/>
+            </a:solidFill>
+          </a:ln>
+        </p:spPr>
+        <p:style>
+          <a:lnRef idx="0">
+            <a:srgbClr val="FFFFFF"/>
+          </a:lnRef>
+          <a:fillRef idx="3">
+            <a:schemeClr val="accent1"/>
+          </a:fillRef>
+          <a:effectRef idx="0">
+            <a:srgbClr val="FFFFFF"/>
+          </a:effectRef>
+          <a:fontRef idx="minor">
+            <a:schemeClr val="dk1"/>
+          </a:fontRef>
+        </p:style>
+        <p:txBody>
+          <a:bodyPr rtlCol="0" anchor="ctr"/>
+          <a:p>
             <a:pPr algn="ctr"/>
-            <a:r>
-              <a:rPr lang="en-US" altLang="zh-CN"/>
-              <a:t>serve </a:t>
-            </a:r>
-            <a:endParaRPr lang="en-US" altLang="zh-CN"/>
-          </a:p>
-        </p:txBody>
-      </p:sp>
-      <p:sp>
-        <p:nvSpPr>
-          <p:cNvPr id="22" name="文本框 21"/>
+            <a:endParaRPr lang="zh-CN" altLang="en-US"/>
+          </a:p>
+        </p:txBody>
+      </p:sp>
+      <p:sp>
+        <p:nvSpPr>
+          <p:cNvPr id="37" name="文本框 36"/>
           <p:cNvSpPr txBox="1"/>
           <p:nvPr/>
         </p:nvSpPr>
         <p:spPr>
           <a:xfrm>
-            <a:off x="6555740" y="2732405"/>
-            <a:ext cx="1511300" cy="368300"/>
+            <a:off x="6510020" y="362585"/>
+            <a:ext cx="1487170" cy="368300"/>
           </a:xfrm>
           <a:prstGeom prst="rect">
             <a:avLst/>
           </a:prstGeom>
-          <a:noFill/>
-        </p:spPr>
+        </p:spPr>
+        <p:style>
+          <a:lnRef idx="0">
+            <a:srgbClr val="FFFFFF"/>
+          </a:lnRef>
+          <a:fillRef idx="3">
+            <a:schemeClr val="accent1"/>
+          </a:fillRef>
+          <a:effectRef idx="0">
+            <a:srgbClr val="FFFFFF"/>
+          </a:effectRef>
+          <a:fontRef idx="minor">
+            <a:schemeClr val="dk1"/>
+          </a:fontRef>
+        </p:style>
         <p:txBody>
           <a:bodyPr wrap="square" rtlCol="0">
             <a:spAutoFit/>
           </a:bodyPr>
           <a:p>
-            <a:pPr algn="ctr"/>
             <a:r>
               <a:rPr lang="en-US" altLang="zh-CN"/>
-              <a:t>net win rate</a:t>
+              <a:t>return depth</a:t>
             </a:r>
             <a:endParaRPr lang="en-US" altLang="zh-CN"/>
           </a:p>
@@ -4031,31 +4454,35 @@
       </p:sp>
       <p:sp>
         <p:nvSpPr>
-          <p:cNvPr id="23" name="左大括号 22"/>
+          <p:cNvPr id="41" name="圆角矩形 40"/>
           <p:cNvSpPr/>
-          <p:nvPr/>
-        </p:nvSpPr>
-        <p:spPr>
-          <a:xfrm>
-            <a:off x="6075680" y="3417570"/>
-            <a:ext cx="76200" cy="1100455"/>
-          </a:xfrm>
-          <a:prstGeom prst="leftBrace">
+          <p:nvPr>
+            <p:custDataLst>
+              <p:tags r:id="rId15"/>
+            </p:custDataLst>
+          </p:nvPr>
+        </p:nvSpPr>
+        <p:spPr>
+          <a:xfrm>
+            <a:off x="8715375" y="831850"/>
+            <a:ext cx="1830705" cy="487045"/>
+          </a:xfrm>
+          <a:prstGeom prst="roundRect">
             <a:avLst/>
           </a:prstGeom>
         </p:spPr>
         <p:style>
-          <a:lnRef idx="2">
+          <a:lnRef idx="0">
+            <a:srgbClr val="FFFFFF"/>
+          </a:lnRef>
+          <a:fillRef idx="3">
             <a:schemeClr val="accent1"/>
-          </a:lnRef>
-          <a:fillRef idx="0">
-            <a:srgbClr val="FFFFFF"/>
           </a:fillRef>
           <a:effectRef idx="0">
             <a:srgbClr val="FFFFFF"/>
           </a:effectRef>
           <a:fontRef idx="minor">
-            <a:schemeClr val="tx1"/>
+            <a:schemeClr val="dk1"/>
           </a:fontRef>
         </p:style>
         <p:txBody>
@@ -4068,28 +4495,42 @@
       </p:sp>
       <p:sp>
         <p:nvSpPr>
-          <p:cNvPr id="26" name="文本框 25"/>
+          <p:cNvPr id="42" name="文本框 41"/>
           <p:cNvSpPr txBox="1"/>
           <p:nvPr/>
         </p:nvSpPr>
         <p:spPr>
           <a:xfrm>
-            <a:off x="6510020" y="3404870"/>
-            <a:ext cx="1153160" cy="368300"/>
+            <a:off x="8867140" y="889635"/>
+            <a:ext cx="1506855" cy="368300"/>
           </a:xfrm>
           <a:prstGeom prst="rect">
             <a:avLst/>
           </a:prstGeom>
-          <a:noFill/>
-        </p:spPr>
+        </p:spPr>
+        <p:style>
+          <a:lnRef idx="0">
+            <a:srgbClr val="FFFFFF"/>
+          </a:lnRef>
+          <a:fillRef idx="3">
+            <a:schemeClr val="accent1"/>
+          </a:fillRef>
+          <a:effectRef idx="0">
+            <a:srgbClr val="FFFFFF"/>
+          </a:effectRef>
+          <a:fontRef idx="minor">
+            <a:schemeClr val="dk1"/>
+          </a:fontRef>
+        </p:style>
         <p:txBody>
           <a:bodyPr wrap="square" rtlCol="0">
             <a:spAutoFit/>
           </a:bodyPr>
           <a:p>
+            <a:pPr algn="ctr"/>
             <a:r>
               <a:rPr lang="en-US" altLang="zh-CN"/>
-              <a:t>distance</a:t>
+              <a:t>ace</a:t>
             </a:r>
             <a:endParaRPr lang="en-US" altLang="zh-CN"/>
           </a:p>
@@ -4097,28 +4538,42 @@
       </p:sp>
       <p:sp>
         <p:nvSpPr>
-          <p:cNvPr id="27" name="文本框 26"/>
+          <p:cNvPr id="43" name="文本框 42"/>
           <p:cNvSpPr txBox="1"/>
           <p:nvPr/>
         </p:nvSpPr>
         <p:spPr>
           <a:xfrm>
-            <a:off x="6269355" y="4184015"/>
-            <a:ext cx="1714500" cy="368300"/>
+            <a:off x="8804910" y="1659255"/>
+            <a:ext cx="1638935" cy="368300"/>
           </a:xfrm>
           <a:prstGeom prst="rect">
             <a:avLst/>
           </a:prstGeom>
-          <a:noFill/>
-        </p:spPr>
+        </p:spPr>
+        <p:style>
+          <a:lnRef idx="0">
+            <a:srgbClr val="FFFFFF"/>
+          </a:lnRef>
+          <a:fillRef idx="3">
+            <a:schemeClr val="accent1"/>
+          </a:fillRef>
+          <a:effectRef idx="0">
+            <a:srgbClr val="FFFFFF"/>
+          </a:effectRef>
+          <a:fontRef idx="minor">
+            <a:schemeClr val="dk1"/>
+          </a:fontRef>
+        </p:style>
         <p:txBody>
           <a:bodyPr wrap="square" rtlCol="0">
             <a:spAutoFit/>
           </a:bodyPr>
           <a:p>
+            <a:pPr algn="ctr"/>
             <a:r>
               <a:rPr lang="en-US" altLang="zh-CN"/>
-              <a:t>unforced error</a:t>
+              <a:t>double fault</a:t>
             </a:r>
             <a:endParaRPr lang="en-US" altLang="zh-CN"/>
           </a:p>
@@ -4126,65 +4581,42 @@
       </p:sp>
       <p:sp>
         <p:nvSpPr>
-          <p:cNvPr id="28" name="左大括号 27"/>
-          <p:cNvSpPr/>
-          <p:nvPr/>
-        </p:nvSpPr>
-        <p:spPr>
-          <a:xfrm>
-            <a:off x="6075680" y="5223510"/>
-            <a:ext cx="131445" cy="1224280"/>
-          </a:xfrm>
-          <a:prstGeom prst="leftBrace">
-            <a:avLst/>
-          </a:prstGeom>
-        </p:spPr>
-        <p:style>
-          <a:lnRef idx="2">
-            <a:schemeClr val="accent1"/>
-          </a:lnRef>
-          <a:fillRef idx="0">
-            <a:srgbClr val="FFFFFF"/>
-          </a:fillRef>
-          <a:effectRef idx="0">
-            <a:srgbClr val="FFFFFF"/>
-          </a:effectRef>
-          <a:fontRef idx="minor">
-            <a:schemeClr val="tx1"/>
-          </a:fontRef>
-        </p:style>
-        <p:txBody>
-          <a:bodyPr rtlCol="0" anchor="ctr"/>
-          <a:p>
-            <a:pPr algn="ctr"/>
-            <a:endParaRPr lang="zh-CN" altLang="en-US"/>
-          </a:p>
-        </p:txBody>
-      </p:sp>
-      <p:sp>
-        <p:nvSpPr>
-          <p:cNvPr id="33" name="文本框 32"/>
+          <p:cNvPr id="44" name="文本框 43"/>
           <p:cNvSpPr txBox="1"/>
           <p:nvPr/>
         </p:nvSpPr>
         <p:spPr>
           <a:xfrm>
-            <a:off x="6265545" y="5102225"/>
-            <a:ext cx="2030095" cy="368300"/>
+            <a:off x="8816340" y="2366010"/>
+            <a:ext cx="1557655" cy="368300"/>
           </a:xfrm>
           <a:prstGeom prst="rect">
             <a:avLst/>
           </a:prstGeom>
-          <a:noFill/>
-        </p:spPr>
+        </p:spPr>
+        <p:style>
+          <a:lnRef idx="0">
+            <a:srgbClr val="FFFFFF"/>
+          </a:lnRef>
+          <a:fillRef idx="3">
+            <a:schemeClr val="accent1"/>
+          </a:fillRef>
+          <a:effectRef idx="0">
+            <a:srgbClr val="FFFFFF"/>
+          </a:effectRef>
+          <a:fontRef idx="minor">
+            <a:schemeClr val="dk1"/>
+          </a:fontRef>
+        </p:style>
         <p:txBody>
           <a:bodyPr wrap="square" rtlCol="0">
             <a:spAutoFit/>
           </a:bodyPr>
           <a:p>
+            <a:pPr algn="ctr"/>
             <a:r>
               <a:rPr lang="en-US" altLang="zh-CN"/>
-              <a:t>scored last point</a:t>
+              <a:t>first serve</a:t>
             </a:r>
             <a:endParaRPr lang="en-US" altLang="zh-CN"/>
           </a:p>
@@ -4192,248 +4624,33 @@
       </p:sp>
       <p:sp>
         <p:nvSpPr>
-          <p:cNvPr id="34" name="文本框 33"/>
+          <p:cNvPr id="45" name="文本框 44"/>
           <p:cNvSpPr txBox="1"/>
           <p:nvPr/>
         </p:nvSpPr>
         <p:spPr>
           <a:xfrm>
-            <a:off x="6275705" y="6057265"/>
-            <a:ext cx="1918970" cy="368300"/>
+            <a:off x="8816340" y="3082925"/>
+            <a:ext cx="1628140" cy="368300"/>
           </a:xfrm>
           <a:prstGeom prst="rect">
             <a:avLst/>
           </a:prstGeom>
-          <a:noFill/>
-        </p:spPr>
-        <p:txBody>
-          <a:bodyPr wrap="square" rtlCol="0">
-            <a:spAutoFit/>
-          </a:bodyPr>
-          <a:p>
-            <a:r>
-              <a:rPr lang="en-US" altLang="zh-CN"/>
-              <a:t>score difference</a:t>
-            </a:r>
-            <a:endParaRPr lang="en-US" altLang="zh-CN"/>
-          </a:p>
-        </p:txBody>
-      </p:sp>
-      <p:sp>
-        <p:nvSpPr>
-          <p:cNvPr id="35" name="左大括号 34"/>
-          <p:cNvSpPr/>
-          <p:nvPr/>
-        </p:nvSpPr>
-        <p:spPr>
-          <a:xfrm>
-            <a:off x="8280400" y="1028065"/>
-            <a:ext cx="524510" cy="2188845"/>
-          </a:xfrm>
-          <a:prstGeom prst="leftBrace">
-            <a:avLst/>
-          </a:prstGeom>
         </p:spPr>
         <p:style>
-          <a:lnRef idx="2">
-            <a:schemeClr val="accent1"/>
+          <a:lnRef idx="0">
+            <a:srgbClr val="FFFFFF"/>
           </a:lnRef>
-          <a:fillRef idx="0">
-            <a:srgbClr val="FFFFFF"/>
-          </a:fillRef>
-          <a:effectRef idx="0">
-            <a:srgbClr val="FFFFFF"/>
-          </a:effectRef>
-          <a:fontRef idx="minor">
-            <a:schemeClr val="tx1"/>
-          </a:fontRef>
-        </p:style>
-        <p:txBody>
-          <a:bodyPr rtlCol="0" anchor="ctr"/>
-          <a:p>
-            <a:pPr algn="ctr"/>
-            <a:endParaRPr lang="zh-CN" altLang="en-US"/>
-          </a:p>
-        </p:txBody>
-      </p:sp>
-      <p:sp>
-        <p:nvSpPr>
-          <p:cNvPr id="37" name="文本框 36"/>
-          <p:cNvSpPr txBox="1"/>
-          <p:nvPr/>
-        </p:nvSpPr>
-        <p:spPr>
-          <a:xfrm>
-            <a:off x="6510020" y="362585"/>
-            <a:ext cx="1487170" cy="368300"/>
-          </a:xfrm>
-          <a:prstGeom prst="rect">
-            <a:avLst/>
-          </a:prstGeom>
-          <a:noFill/>
-        </p:spPr>
-        <p:txBody>
-          <a:bodyPr wrap="square" rtlCol="0">
-            <a:spAutoFit/>
-          </a:bodyPr>
-          <a:p>
-            <a:r>
-              <a:rPr lang="en-US" altLang="zh-CN"/>
-              <a:t>return depth</a:t>
-            </a:r>
-            <a:endParaRPr lang="en-US" altLang="zh-CN"/>
-          </a:p>
-        </p:txBody>
-      </p:sp>
-      <p:sp>
-        <p:nvSpPr>
-          <p:cNvPr id="41" name="圆角矩形 40"/>
-          <p:cNvSpPr/>
-          <p:nvPr>
-            <p:custDataLst>
-              <p:tags r:id="rId15"/>
-            </p:custDataLst>
-          </p:nvPr>
-        </p:nvSpPr>
-        <p:spPr>
-          <a:xfrm>
-            <a:off x="8715375" y="831850"/>
-            <a:ext cx="1830705" cy="487045"/>
-          </a:xfrm>
-          <a:prstGeom prst="roundRect">
-            <a:avLst/>
-          </a:prstGeom>
-        </p:spPr>
-        <p:style>
-          <a:lnRef idx="2">
-            <a:schemeClr val="accent1">
-              <a:lumMod val="75000"/>
-            </a:schemeClr>
-          </a:lnRef>
-          <a:fillRef idx="1">
+          <a:fillRef idx="3">
             <a:schemeClr val="accent1"/>
           </a:fillRef>
           <a:effectRef idx="0">
             <a:srgbClr val="FFFFFF"/>
           </a:effectRef>
           <a:fontRef idx="minor">
-            <a:schemeClr val="lt1"/>
+            <a:schemeClr val="dk1"/>
           </a:fontRef>
         </p:style>
-        <p:txBody>
-          <a:bodyPr rtlCol="0" anchor="ctr"/>
-          <a:p>
-            <a:pPr algn="ctr"/>
-            <a:endParaRPr lang="zh-CN" altLang="en-US"/>
-          </a:p>
-        </p:txBody>
-      </p:sp>
-      <p:sp>
-        <p:nvSpPr>
-          <p:cNvPr id="42" name="文本框 41"/>
-          <p:cNvSpPr txBox="1"/>
-          <p:nvPr/>
-        </p:nvSpPr>
-        <p:spPr>
-          <a:xfrm>
-            <a:off x="8867140" y="889635"/>
-            <a:ext cx="1506855" cy="368300"/>
-          </a:xfrm>
-          <a:prstGeom prst="rect">
-            <a:avLst/>
-          </a:prstGeom>
-          <a:noFill/>
-        </p:spPr>
-        <p:txBody>
-          <a:bodyPr wrap="square" rtlCol="0">
-            <a:spAutoFit/>
-          </a:bodyPr>
-          <a:p>
-            <a:pPr algn="ctr"/>
-            <a:r>
-              <a:rPr lang="en-US" altLang="zh-CN"/>
-              <a:t>ace</a:t>
-            </a:r>
-            <a:endParaRPr lang="en-US" altLang="zh-CN"/>
-          </a:p>
-        </p:txBody>
-      </p:sp>
-      <p:sp>
-        <p:nvSpPr>
-          <p:cNvPr id="43" name="文本框 42"/>
-          <p:cNvSpPr txBox="1"/>
-          <p:nvPr/>
-        </p:nvSpPr>
-        <p:spPr>
-          <a:xfrm>
-            <a:off x="8901430" y="1633220"/>
-            <a:ext cx="1638935" cy="368300"/>
-          </a:xfrm>
-          <a:prstGeom prst="rect">
-            <a:avLst/>
-          </a:prstGeom>
-          <a:noFill/>
-        </p:spPr>
-        <p:txBody>
-          <a:bodyPr wrap="square" rtlCol="0">
-            <a:spAutoFit/>
-          </a:bodyPr>
-          <a:p>
-            <a:pPr algn="ctr"/>
-            <a:r>
-              <a:rPr lang="en-US" altLang="zh-CN"/>
-              <a:t>double fault</a:t>
-            </a:r>
-            <a:endParaRPr lang="en-US" altLang="zh-CN"/>
-          </a:p>
-        </p:txBody>
-      </p:sp>
-      <p:sp>
-        <p:nvSpPr>
-          <p:cNvPr id="44" name="文本框 43"/>
-          <p:cNvSpPr txBox="1"/>
-          <p:nvPr/>
-        </p:nvSpPr>
-        <p:spPr>
-          <a:xfrm>
-            <a:off x="8816340" y="2328545"/>
-            <a:ext cx="1557655" cy="368300"/>
-          </a:xfrm>
-          <a:prstGeom prst="rect">
-            <a:avLst/>
-          </a:prstGeom>
-          <a:noFill/>
-        </p:spPr>
-        <p:txBody>
-          <a:bodyPr wrap="square" rtlCol="0">
-            <a:spAutoFit/>
-          </a:bodyPr>
-          <a:p>
-            <a:pPr algn="ctr"/>
-            <a:r>
-              <a:rPr lang="en-US" altLang="zh-CN"/>
-              <a:t>first serve</a:t>
-            </a:r>
-            <a:endParaRPr lang="en-US" altLang="zh-CN"/>
-          </a:p>
-        </p:txBody>
-      </p:sp>
-      <p:sp>
-        <p:nvSpPr>
-          <p:cNvPr id="45" name="文本框 44"/>
-          <p:cNvSpPr txBox="1"/>
-          <p:nvPr/>
-        </p:nvSpPr>
-        <p:spPr>
-          <a:xfrm>
-            <a:off x="8901430" y="3054350"/>
-            <a:ext cx="1628140" cy="368300"/>
-          </a:xfrm>
-          <a:prstGeom prst="rect">
-            <a:avLst/>
-          </a:prstGeom>
-          <a:noFill/>
-        </p:spPr>
         <p:txBody>
           <a:bodyPr wrap="square" rtlCol="0">
             <a:spAutoFit/>
@@ -5358,6 +5575,7 @@
 <file path=ppt/tags/tag79.xml><?xml version="1.0" encoding="utf-8"?>
 <p:tagLst xmlns:p="http://schemas.openxmlformats.org/presentationml/2006/main">
   <p:tag name="commondata" val="eyJoZGlkIjoiOGFjZDU1MmU2YWRlZmNmNjZhZmZjY2VlNjNlMmNlNGMifQ=="/>
+  <p:tag name="resource_record_key" val="{&quot;71&quot;:[76235679671]}"/>
 </p:tagLst>
 </file>
 
@@ -5390,42 +5608,42 @@
 <file path=ppt/theme/theme1.xml><?xml version="1.0" encoding="utf-8"?>
 <a:theme xmlns:a="http://schemas.openxmlformats.org/drawingml/2006/main" name="WPS">
   <a:themeElements>
-    <a:clrScheme name="WPS">
+    <a:clrScheme name="">
       <a:dk1>
-        <a:sysClr val="windowText" lastClr="000000"/>
+        <a:srgbClr val="000000"/>
       </a:dk1>
       <a:lt1>
-        <a:sysClr val="window" lastClr="FFFFFF"/>
+        <a:srgbClr val="FFFFFF"/>
       </a:lt1>
       <a:dk2>
-        <a:srgbClr val="44546A"/>
+        <a:srgbClr val="1B2945"/>
       </a:dk2>
       <a:lt2>
-        <a:srgbClr val="E7E6E6"/>
+        <a:srgbClr val="F1F4F9"/>
       </a:lt2>
       <a:accent1>
-        <a:srgbClr val="4874CB"/>
+        <a:srgbClr val="BDCDE6"/>
       </a:accent1>
       <a:accent2>
-        <a:srgbClr val="EE822F"/>
+        <a:srgbClr val="7D92B5"/>
       </a:accent2>
       <a:accent3>
-        <a:srgbClr val="F2BA02"/>
+        <a:srgbClr val="967DA3"/>
       </a:accent3>
       <a:accent4>
-        <a:srgbClr val="75BD42"/>
+        <a:srgbClr val="DE8F85"/>
       </a:accent4>
       <a:accent5>
-        <a:srgbClr val="30C0B4"/>
+        <a:srgbClr val="F0C3D9"/>
       </a:accent5>
       <a:accent6>
-        <a:srgbClr val="E54C5E"/>
+        <a:srgbClr val="D8EAB9"/>
       </a:accent6>
       <a:hlink>
-        <a:srgbClr val="0026E5"/>
+        <a:srgbClr val="5FCBFB"/>
       </a:hlink>
       <a:folHlink>
-        <a:srgbClr val="7E1FAD"/>
+        <a:srgbClr val="B759BC"/>
       </a:folHlink>
     </a:clrScheme>
     <a:fontScheme name="WPS">

--- a/WJN/photo.pptx
+++ b/WJN/photo.pptx
@@ -3711,7 +3711,7 @@
         </p:nvSpPr>
         <p:spPr>
           <a:xfrm>
-            <a:off x="651510" y="3392805"/>
+            <a:off x="651510" y="3433445"/>
             <a:ext cx="2084070" cy="829945"/>
           </a:xfrm>
           <a:prstGeom prst="rect">
@@ -3740,14 +3740,16 @@
             <a:pPr algn="ctr"/>
             <a:r>
               <a:rPr lang="en-US" altLang="zh-CN" sz="2400">
-                <a:latin typeface="微软雅黑" panose="020B0503020204020204" charset="-122"/>
+                <a:latin typeface="Segoe Print" panose="02000600000000000000" charset="0"/>
                 <a:ea typeface="微软雅黑" panose="020B0503020204020204" charset="-122"/>
+                <a:cs typeface="Segoe Print" panose="02000600000000000000" charset="0"/>
               </a:rPr>
               <a:t>Influencing factors</a:t>
             </a:r>
             <a:endParaRPr lang="en-US" altLang="zh-CN" sz="2400">
-              <a:latin typeface="微软雅黑" panose="020B0503020204020204" charset="-122"/>
+              <a:latin typeface="Segoe Print" panose="02000600000000000000" charset="0"/>
               <a:ea typeface="微软雅黑" panose="020B0503020204020204" charset="-122"/>
+              <a:cs typeface="Segoe Print" panose="02000600000000000000" charset="0"/>
             </a:endParaRPr>
           </a:p>
         </p:txBody>
@@ -3789,14 +3791,16 @@
             <a:pPr algn="ctr"/>
             <a:r>
               <a:rPr lang="en-US" altLang="zh-CN" sz="2400">
-                <a:latin typeface="微软雅黑" panose="020B0503020204020204" charset="-122"/>
+                <a:latin typeface="Segoe Print" panose="02000600000000000000" charset="0"/>
                 <a:ea typeface="微软雅黑" panose="020B0503020204020204" charset="-122"/>
+                <a:cs typeface="Segoe Print" panose="02000600000000000000" charset="0"/>
               </a:rPr>
               <a:t>skill</a:t>
             </a:r>
             <a:endParaRPr lang="en-US" altLang="zh-CN" sz="2400">
-              <a:latin typeface="微软雅黑" panose="020B0503020204020204" charset="-122"/>
+              <a:latin typeface="Segoe Print" panose="02000600000000000000" charset="0"/>
               <a:ea typeface="微软雅黑" panose="020B0503020204020204" charset="-122"/>
+              <a:cs typeface="Segoe Print" panose="02000600000000000000" charset="0"/>
             </a:endParaRPr>
           </a:p>
         </p:txBody>
@@ -3809,8 +3813,8 @@
         </p:nvSpPr>
         <p:spPr>
           <a:xfrm>
-            <a:off x="3328670" y="3723005"/>
-            <a:ext cx="2757170" cy="460375"/>
+            <a:off x="3294380" y="3723005"/>
+            <a:ext cx="2905125" cy="460375"/>
           </a:xfrm>
           <a:prstGeom prst="rect">
             <a:avLst/>
@@ -3838,14 +3842,24 @@
           <a:p>
             <a:r>
               <a:rPr lang="en-US" altLang="zh-CN" sz="2400">
-                <a:latin typeface="微软雅黑" panose="020B0503020204020204" charset="-122"/>
+                <a:latin typeface="Segoe Print" panose="02000600000000000000" charset="0"/>
                 <a:ea typeface="微软雅黑" panose="020B0503020204020204" charset="-122"/>
+                <a:cs typeface="Segoe Print" panose="02000600000000000000" charset="0"/>
               </a:rPr>
-              <a:t>degree of fatigue</a:t>
+              <a:t>degree </a:t>
+            </a:r>
+            <a:r>
+              <a:rPr lang="en-US" altLang="zh-CN" sz="2400">
+                <a:latin typeface="Segoe Print" panose="02000600000000000000" charset="0"/>
+                <a:ea typeface="微软雅黑" panose="020B0503020204020204" charset="-122"/>
+                <a:cs typeface="Segoe Print" panose="02000600000000000000" charset="0"/>
+              </a:rPr>
+              <a:t>of fatigue</a:t>
             </a:r>
             <a:endParaRPr lang="en-US" altLang="zh-CN" sz="2400">
-              <a:latin typeface="微软雅黑" panose="020B0503020204020204" charset="-122"/>
+              <a:latin typeface="Segoe Print" panose="02000600000000000000" charset="0"/>
               <a:ea typeface="微软雅黑" panose="020B0503020204020204" charset="-122"/>
+              <a:cs typeface="Segoe Print" panose="02000600000000000000" charset="0"/>
             </a:endParaRPr>
           </a:p>
         </p:txBody>
@@ -3887,14 +3901,16 @@
             <a:pPr algn="ctr"/>
             <a:r>
               <a:rPr lang="en-US" altLang="zh-CN" sz="2400">
-                <a:latin typeface="微软雅黑" panose="020B0503020204020204" charset="-122"/>
+                <a:latin typeface="Segoe Print" panose="02000600000000000000" charset="0"/>
                 <a:ea typeface="微软雅黑" panose="020B0503020204020204" charset="-122"/>
+                <a:cs typeface="Segoe Print" panose="02000600000000000000" charset="0"/>
               </a:rPr>
               <a:t>mantality</a:t>
             </a:r>
             <a:endParaRPr lang="en-US" altLang="zh-CN" sz="2400">
-              <a:latin typeface="微软雅黑" panose="020B0503020204020204" charset="-122"/>
+              <a:latin typeface="Segoe Print" panose="02000600000000000000" charset="0"/>
               <a:ea typeface="微软雅黑" panose="020B0503020204020204" charset="-122"/>
+              <a:cs typeface="Segoe Print" panose="02000600000000000000" charset="0"/>
             </a:endParaRPr>
           </a:p>
         </p:txBody>
@@ -4018,10 +4034,16 @@
           </a:bodyPr>
           <a:p>
             <a:r>
-              <a:rPr lang="en-US" altLang="zh-CN"/>
+              <a:rPr lang="en-US" altLang="zh-CN">
+                <a:latin typeface="Segoe Print" panose="02000600000000000000" charset="0"/>
+                <a:cs typeface="Segoe Print" panose="02000600000000000000" charset="0"/>
+              </a:rPr>
               <a:t>winner</a:t>
             </a:r>
-            <a:endParaRPr lang="en-US" altLang="zh-CN"/>
+            <a:endParaRPr lang="en-US" altLang="zh-CN">
+              <a:latin typeface="Segoe Print" panose="02000600000000000000" charset="0"/>
+              <a:cs typeface="Segoe Print" panose="02000600000000000000" charset="0"/>
+            </a:endParaRPr>
           </a:p>
         </p:txBody>
       </p:sp>
@@ -4061,8 +4083,15 @@
           <a:p>
             <a:pPr algn="ctr"/>
             <a:r>
+              <a:rPr lang="en-US" altLang="zh-CN">
+                <a:latin typeface="Segoe Print" panose="02000600000000000000" charset="0"/>
+                <a:cs typeface="Segoe Print" panose="02000600000000000000" charset="0"/>
+              </a:rPr>
+              <a:t>serve</a:t>
+            </a:r>
+            <a:r>
               <a:rPr lang="en-US" altLang="zh-CN"/>
-              <a:t>serve </a:t>
+              <a:t> </a:t>
             </a:r>
             <a:endParaRPr lang="en-US" altLang="zh-CN"/>
           </a:p>
@@ -4076,8 +4105,8 @@
         </p:nvSpPr>
         <p:spPr>
           <a:xfrm>
-            <a:off x="6513195" y="2773045"/>
-            <a:ext cx="1511300" cy="368300"/>
+            <a:off x="6396990" y="2773045"/>
+            <a:ext cx="1737360" cy="368300"/>
           </a:xfrm>
           <a:prstGeom prst="rect">
             <a:avLst/>
@@ -4104,10 +4133,16 @@
           <a:p>
             <a:pPr algn="ctr"/>
             <a:r>
-              <a:rPr lang="en-US" altLang="zh-CN"/>
+              <a:rPr lang="en-US" altLang="zh-CN">
+                <a:latin typeface="Segoe Print" panose="02000600000000000000" charset="0"/>
+                <a:cs typeface="Segoe Print" panose="02000600000000000000" charset="0"/>
+              </a:rPr>
               <a:t>net win rate</a:t>
             </a:r>
-            <a:endParaRPr lang="en-US" altLang="zh-CN"/>
+            <a:endParaRPr lang="en-US" altLang="zh-CN">
+              <a:latin typeface="Segoe Print" panose="02000600000000000000" charset="0"/>
+              <a:cs typeface="Segoe Print" panose="02000600000000000000" charset="0"/>
+            </a:endParaRPr>
           </a:p>
         </p:txBody>
       </p:sp>
@@ -4189,10 +4224,16 @@
           </a:bodyPr>
           <a:p>
             <a:r>
-              <a:rPr lang="en-US" altLang="zh-CN"/>
+              <a:rPr lang="en-US" altLang="zh-CN">
+                <a:latin typeface="Segoe Print" panose="02000600000000000000" charset="0"/>
+                <a:cs typeface="Segoe Print" panose="02000600000000000000" charset="0"/>
+              </a:rPr>
               <a:t>distance</a:t>
             </a:r>
-            <a:endParaRPr lang="en-US" altLang="zh-CN"/>
+            <a:endParaRPr lang="en-US" altLang="zh-CN">
+              <a:latin typeface="Segoe Print" panose="02000600000000000000" charset="0"/>
+              <a:cs typeface="Segoe Print" panose="02000600000000000000" charset="0"/>
+            </a:endParaRPr>
           </a:p>
         </p:txBody>
       </p:sp>
@@ -4204,12 +4245,13 @@
         </p:nvSpPr>
         <p:spPr>
           <a:xfrm>
-            <a:off x="6269355" y="4238625"/>
-            <a:ext cx="1714500" cy="368300"/>
+            <a:off x="6216650" y="4238625"/>
+            <a:ext cx="1945640" cy="368300"/>
           </a:xfrm>
           <a:prstGeom prst="rect">
             <a:avLst/>
           </a:prstGeom>
+          <a:noFill/>
         </p:spPr>
         <p:style>
           <a:lnRef idx="0">
@@ -4231,10 +4273,16 @@
           </a:bodyPr>
           <a:p>
             <a:r>
-              <a:rPr lang="en-US" altLang="zh-CN"/>
+              <a:rPr lang="en-US" altLang="zh-CN">
+                <a:latin typeface="Segoe Print" panose="02000600000000000000" charset="0"/>
+                <a:cs typeface="Segoe Print" panose="02000600000000000000" charset="0"/>
+              </a:rPr>
               <a:t>unforced error</a:t>
             </a:r>
-            <a:endParaRPr lang="en-US" altLang="zh-CN"/>
+            <a:endParaRPr lang="en-US" altLang="zh-CN">
+              <a:latin typeface="Segoe Print" panose="02000600000000000000" charset="0"/>
+              <a:cs typeface="Segoe Print" panose="02000600000000000000" charset="0"/>
+            </a:endParaRPr>
           </a:p>
         </p:txBody>
       </p:sp>
@@ -4289,8 +4337,8 @@
         </p:nvSpPr>
         <p:spPr>
           <a:xfrm>
-            <a:off x="6265545" y="5112385"/>
-            <a:ext cx="2030095" cy="368300"/>
+            <a:off x="6206490" y="5144770"/>
+            <a:ext cx="2324735" cy="337185"/>
           </a:xfrm>
           <a:prstGeom prst="rect">
             <a:avLst/>
@@ -4317,10 +4365,16 @@
           </a:bodyPr>
           <a:p>
             <a:r>
-              <a:rPr lang="en-US" altLang="zh-CN"/>
+              <a:rPr lang="en-US" altLang="zh-CN" sz="1600">
+                <a:latin typeface="Segoe Print" panose="02000600000000000000" charset="0"/>
+                <a:cs typeface="Segoe Print" panose="02000600000000000000" charset="0"/>
+              </a:rPr>
               <a:t>scored last point</a:t>
             </a:r>
-            <a:endParaRPr lang="en-US" altLang="zh-CN"/>
+            <a:endParaRPr lang="en-US" altLang="zh-CN" sz="1600">
+              <a:latin typeface="Segoe Print" panose="02000600000000000000" charset="0"/>
+              <a:cs typeface="Segoe Print" panose="02000600000000000000" charset="0"/>
+            </a:endParaRPr>
           </a:p>
         </p:txBody>
       </p:sp>
@@ -4332,8 +4386,8 @@
         </p:nvSpPr>
         <p:spPr>
           <a:xfrm>
-            <a:off x="6275705" y="6067425"/>
-            <a:ext cx="1918970" cy="368300"/>
+            <a:off x="6206490" y="6077585"/>
+            <a:ext cx="2084705" cy="368300"/>
           </a:xfrm>
           <a:prstGeom prst="rect">
             <a:avLst/>
@@ -4360,10 +4414,16 @@
           </a:bodyPr>
           <a:p>
             <a:r>
-              <a:rPr lang="en-US" altLang="zh-CN"/>
+              <a:rPr lang="en-US" altLang="zh-CN">
+                <a:latin typeface="Segoe Print" panose="02000600000000000000" charset="0"/>
+                <a:cs typeface="Segoe Print" panose="02000600000000000000" charset="0"/>
+              </a:rPr>
               <a:t>score difference</a:t>
             </a:r>
-            <a:endParaRPr lang="en-US" altLang="zh-CN"/>
+            <a:endParaRPr lang="en-US" altLang="zh-CN">
+              <a:latin typeface="Segoe Print" panose="02000600000000000000" charset="0"/>
+              <a:cs typeface="Segoe Print" panose="02000600000000000000" charset="0"/>
+            </a:endParaRPr>
           </a:p>
         </p:txBody>
       </p:sp>
@@ -4418,8 +4478,8 @@
         </p:nvSpPr>
         <p:spPr>
           <a:xfrm>
-            <a:off x="6510020" y="362585"/>
-            <a:ext cx="1487170" cy="368300"/>
+            <a:off x="6353175" y="362585"/>
+            <a:ext cx="1800225" cy="368300"/>
           </a:xfrm>
           <a:prstGeom prst="rect">
             <a:avLst/>
@@ -4445,10 +4505,16 @@
           </a:bodyPr>
           <a:p>
             <a:r>
-              <a:rPr lang="en-US" altLang="zh-CN"/>
+              <a:rPr lang="en-US" altLang="zh-CN">
+                <a:latin typeface="Segoe Print" panose="02000600000000000000" charset="0"/>
+                <a:cs typeface="Segoe Print" panose="02000600000000000000" charset="0"/>
+              </a:rPr>
               <a:t>return depth</a:t>
             </a:r>
-            <a:endParaRPr lang="en-US" altLang="zh-CN"/>
+            <a:endParaRPr lang="en-US" altLang="zh-CN">
+              <a:latin typeface="Segoe Print" panose="02000600000000000000" charset="0"/>
+              <a:cs typeface="Segoe Print" panose="02000600000000000000" charset="0"/>
+            </a:endParaRPr>
           </a:p>
         </p:txBody>
       </p:sp>
@@ -4529,10 +4595,16 @@
           <a:p>
             <a:pPr algn="ctr"/>
             <a:r>
-              <a:rPr lang="en-US" altLang="zh-CN"/>
+              <a:rPr lang="en-US" altLang="zh-CN">
+                <a:latin typeface="Segoe Print" panose="02000600000000000000" charset="0"/>
+                <a:cs typeface="Segoe Print" panose="02000600000000000000" charset="0"/>
+              </a:rPr>
               <a:t>ace</a:t>
             </a:r>
-            <a:endParaRPr lang="en-US" altLang="zh-CN"/>
+            <a:endParaRPr lang="en-US" altLang="zh-CN">
+              <a:latin typeface="Segoe Print" panose="02000600000000000000" charset="0"/>
+              <a:cs typeface="Segoe Print" panose="02000600000000000000" charset="0"/>
+            </a:endParaRPr>
           </a:p>
         </p:txBody>
       </p:sp>
@@ -4572,10 +4644,16 @@
           <a:p>
             <a:pPr algn="ctr"/>
             <a:r>
-              <a:rPr lang="en-US" altLang="zh-CN"/>
+              <a:rPr lang="en-US" altLang="zh-CN">
+                <a:latin typeface="Segoe Print" panose="02000600000000000000" charset="0"/>
+                <a:cs typeface="Segoe Print" panose="02000600000000000000" charset="0"/>
+              </a:rPr>
               <a:t>double fault</a:t>
             </a:r>
-            <a:endParaRPr lang="en-US" altLang="zh-CN"/>
+            <a:endParaRPr lang="en-US" altLang="zh-CN">
+              <a:latin typeface="Segoe Print" panose="02000600000000000000" charset="0"/>
+              <a:cs typeface="Segoe Print" panose="02000600000000000000" charset="0"/>
+            </a:endParaRPr>
           </a:p>
         </p:txBody>
       </p:sp>
@@ -4615,10 +4693,16 @@
           <a:p>
             <a:pPr algn="ctr"/>
             <a:r>
-              <a:rPr lang="en-US" altLang="zh-CN"/>
+              <a:rPr lang="en-US" altLang="zh-CN">
+                <a:latin typeface="Segoe Print" panose="02000600000000000000" charset="0"/>
+                <a:cs typeface="Segoe Print" panose="02000600000000000000" charset="0"/>
+              </a:rPr>
               <a:t>first serve</a:t>
             </a:r>
-            <a:endParaRPr lang="en-US" altLang="zh-CN"/>
+            <a:endParaRPr lang="en-US" altLang="zh-CN">
+              <a:latin typeface="Segoe Print" panose="02000600000000000000" charset="0"/>
+              <a:cs typeface="Segoe Print" panose="02000600000000000000" charset="0"/>
+            </a:endParaRPr>
           </a:p>
         </p:txBody>
       </p:sp>
@@ -4658,10 +4742,16 @@
           <a:p>
             <a:pPr algn="ctr"/>
             <a:r>
-              <a:rPr lang="en-US" altLang="zh-CN"/>
+              <a:rPr lang="en-US" altLang="zh-CN">
+                <a:latin typeface="Segoe Print" panose="02000600000000000000" charset="0"/>
+                <a:cs typeface="Segoe Print" panose="02000600000000000000" charset="0"/>
+              </a:rPr>
               <a:t>fast win</a:t>
             </a:r>
-            <a:endParaRPr lang="en-US" altLang="zh-CN"/>
+            <a:endParaRPr lang="en-US" altLang="zh-CN">
+              <a:latin typeface="Segoe Print" panose="02000600000000000000" charset="0"/>
+              <a:cs typeface="Segoe Print" panose="02000600000000000000" charset="0"/>
+            </a:endParaRPr>
           </a:p>
         </p:txBody>
       </p:sp>
